--- a/minisupermarketMS/document/Project9-18.pptx
+++ b/minisupermarketMS/document/Project9-18.pptx
@@ -224,7 +224,7 @@
           <a:p>
             <a:fld id="{9CCDC2CD-8613-D146-8518-AC99D946DF95}" type="datetimeFigureOut">
               <a:rPr lang="en-US" smtClean="0"/>
-              <a:t>9/18/2020</a:t>
+              <a:t>9/19/2020</a:t>
             </a:fld>
             <a:endParaRPr lang="en-US" dirty="0"/>
           </a:p>
@@ -6764,11 +6764,11 @@
   <p:clrMapOvr>
     <a:masterClrMapping/>
   </p:clrMapOvr>
-  <mc:AlternateContent xmlns:mc="http://schemas.openxmlformats.org/markup-compatibility/2006">
-    <mc:Choice xmlns:p14="http://schemas.microsoft.com/office/powerpoint/2010/main" Requires="p14">
+  <mc:AlternateContent xmlns:mc="http://schemas.openxmlformats.org/markup-compatibility/2006" xmlns:p14="http://schemas.microsoft.com/office/powerpoint/2010/main">
+    <mc:Choice Requires="p14">
       <p:transition p14:dur="0"/>
     </mc:Choice>
-    <mc:Fallback>
+    <mc:Fallback xmlns="">
       <p:transition/>
     </mc:Fallback>
   </mc:AlternateContent>
@@ -6952,7 +6952,7 @@
         <p:spPr>
           <a:xfrm>
             <a:off x="400692" y="1010575"/>
-            <a:ext cx="2003461" cy="369332"/>
+            <a:ext cx="2280863" cy="369332"/>
           </a:xfrm>
           <a:prstGeom prst="rect">
             <a:avLst/>
@@ -6969,7 +6969,7 @@
               <a:rPr lang="en-US" dirty="0">
                 <a:latin typeface="Helvetica Neue" panose="02000403000000020004" pitchFamily="2"/>
               </a:rPr>
-              <a:t>4.Insert product</a:t>
+              <a:t>4. Update Product</a:t>
             </a:r>
           </a:p>
         </p:txBody>
@@ -7013,11 +7013,11 @@
   <p:clrMapOvr>
     <a:masterClrMapping/>
   </p:clrMapOvr>
-  <mc:AlternateContent xmlns:mc="http://schemas.openxmlformats.org/markup-compatibility/2006">
-    <mc:Choice xmlns:p14="http://schemas.microsoft.com/office/powerpoint/2010/main" Requires="p14">
+  <mc:AlternateContent xmlns:mc="http://schemas.openxmlformats.org/markup-compatibility/2006" xmlns:p14="http://schemas.microsoft.com/office/powerpoint/2010/main">
+    <mc:Choice Requires="p14">
       <p:transition p14:dur="0"/>
     </mc:Choice>
-    <mc:Fallback>
+    <mc:Fallback xmlns="">
       <p:transition/>
     </mc:Fallback>
   </mc:AlternateContent>
@@ -7201,7 +7201,7 @@
         <p:spPr>
           <a:xfrm>
             <a:off x="400692" y="1010575"/>
-            <a:ext cx="2003461" cy="369332"/>
+            <a:ext cx="2465798" cy="369332"/>
           </a:xfrm>
           <a:prstGeom prst="rect">
             <a:avLst/>
@@ -7218,7 +7218,7 @@
               <a:rPr lang="en-US" dirty="0">
                 <a:latin typeface="Helvetica Neue" panose="02000403000000020004" pitchFamily="2"/>
               </a:rPr>
-              <a:t>5.Input product</a:t>
+              <a:t>5. Management Order</a:t>
             </a:r>
           </a:p>
         </p:txBody>
@@ -7262,11 +7262,11 @@
   <p:clrMapOvr>
     <a:masterClrMapping/>
   </p:clrMapOvr>
-  <mc:AlternateContent xmlns:mc="http://schemas.openxmlformats.org/markup-compatibility/2006">
-    <mc:Choice xmlns:p14="http://schemas.microsoft.com/office/powerpoint/2010/main" Requires="p14">
+  <mc:AlternateContent xmlns:mc="http://schemas.openxmlformats.org/markup-compatibility/2006" xmlns:p14="http://schemas.microsoft.com/office/powerpoint/2010/main">
+    <mc:Choice Requires="p14">
       <p:transition p14:dur="0"/>
     </mc:Choice>
-    <mc:Fallback>
+    <mc:Fallback xmlns="">
       <p:transition/>
     </mc:Fallback>
   </mc:AlternateContent>
@@ -7511,11 +7511,11 @@
   <p:clrMapOvr>
     <a:masterClrMapping/>
   </p:clrMapOvr>
-  <mc:AlternateContent xmlns:mc="http://schemas.openxmlformats.org/markup-compatibility/2006">
-    <mc:Choice xmlns:p14="http://schemas.microsoft.com/office/powerpoint/2010/main" Requires="p14">
+  <mc:AlternateContent xmlns:mc="http://schemas.openxmlformats.org/markup-compatibility/2006" xmlns:p14="http://schemas.microsoft.com/office/powerpoint/2010/main">
+    <mc:Choice Requires="p14">
       <p:transition p14:dur="0"/>
     </mc:Choice>
-    <mc:Fallback>
+    <mc:Fallback xmlns="">
       <p:transition/>
     </mc:Fallback>
   </mc:AlternateContent>
@@ -7723,31 +7723,51 @@
       </p:sp>
       <p:pic>
         <p:nvPicPr>
-          <p:cNvPr id="10" name="Content Placeholder 9">
-            <a:extLst>
-              <a:ext uri="{FF2B5EF4-FFF2-40B4-BE49-F238E27FC236}">
-                <a16:creationId xmlns:a16="http://schemas.microsoft.com/office/drawing/2014/main" id="{FC29B6EA-6265-4FD8-8503-947C166325E5}"/>
+          <p:cNvPr id="1026" name="Picture 2">
+            <a:extLst>
+              <a:ext uri="{FF2B5EF4-FFF2-40B4-BE49-F238E27FC236}">
+                <a16:creationId xmlns:a16="http://schemas.microsoft.com/office/drawing/2014/main" id="{9F9AC306-BBC4-43A6-813E-C70BE532FAB4}"/>
               </a:ext>
             </a:extLst>
           </p:cNvPr>
           <p:cNvPicPr>
-            <a:picLocks noGrp="1" noChangeAspect="1"/>
+            <a:picLocks noGrp="1" noChangeAspect="1" noChangeArrowheads="1"/>
           </p:cNvPicPr>
           <p:nvPr>
             <p:ph idx="1"/>
           </p:nvPr>
         </p:nvPicPr>
         <p:blipFill>
-          <a:blip r:embed="rId3"/>
+          <a:blip r:embed="rId3">
+            <a:extLst>
+              <a:ext uri="{28A0092B-C50C-407E-A947-70E740481C1C}">
+                <a14:useLocalDpi xmlns:a14="http://schemas.microsoft.com/office/drawing/2010/main" val="0"/>
+              </a:ext>
+            </a:extLst>
+          </a:blip>
+          <a:srcRect/>
           <a:stretch>
             <a:fillRect/>
           </a:stretch>
         </p:blipFill>
-        <p:spPr>
+        <p:spPr bwMode="auto">
           <a:xfrm>
-            <a:off x="431515" y="1482769"/>
-            <a:ext cx="11404314" cy="4532749"/>
+            <a:off x="838200" y="1482770"/>
+            <a:ext cx="10515600" cy="4311560"/>
           </a:xfrm>
+          <a:prstGeom prst="rect">
+            <a:avLst/>
+          </a:prstGeom>
+          <a:noFill/>
+          <a:extLst>
+            <a:ext uri="{909E8E84-426E-40DD-AFC4-6F175D3DCCD1}">
+              <a14:hiddenFill xmlns:a14="http://schemas.microsoft.com/office/drawing/2010/main">
+                <a:solidFill>
+                  <a:srgbClr val="FFFFFF"/>
+                </a:solidFill>
+              </a14:hiddenFill>
+            </a:ext>
+          </a:extLst>
         </p:spPr>
       </p:pic>
     </p:spTree>
@@ -7760,11 +7780,11 @@
   <p:clrMapOvr>
     <a:masterClrMapping/>
   </p:clrMapOvr>
-  <mc:AlternateContent xmlns:mc="http://schemas.openxmlformats.org/markup-compatibility/2006">
-    <mc:Choice xmlns:p14="http://schemas.microsoft.com/office/powerpoint/2010/main" Requires="p14">
+  <mc:AlternateContent xmlns:mc="http://schemas.openxmlformats.org/markup-compatibility/2006" xmlns:p14="http://schemas.microsoft.com/office/powerpoint/2010/main">
+    <mc:Choice Requires="p14">
       <p:transition p14:dur="0"/>
     </mc:Choice>
-    <mc:Fallback>
+    <mc:Fallback xmlns="">
       <p:transition/>
     </mc:Fallback>
   </mc:AlternateContent>
@@ -7972,31 +7992,51 @@
       </p:sp>
       <p:pic>
         <p:nvPicPr>
-          <p:cNvPr id="10" name="Content Placeholder 9">
-            <a:extLst>
-              <a:ext uri="{FF2B5EF4-FFF2-40B4-BE49-F238E27FC236}">
-                <a16:creationId xmlns:a16="http://schemas.microsoft.com/office/drawing/2014/main" id="{76598BCE-7845-4939-BBE1-B5699970B386}"/>
+          <p:cNvPr id="8" name="Picture 2">
+            <a:extLst>
+              <a:ext uri="{FF2B5EF4-FFF2-40B4-BE49-F238E27FC236}">
+                <a16:creationId xmlns:a16="http://schemas.microsoft.com/office/drawing/2014/main" id="{D005D31E-5AD3-4D97-A823-6DCAFB429DD0}"/>
               </a:ext>
             </a:extLst>
           </p:cNvPr>
           <p:cNvPicPr>
-            <a:picLocks noGrp="1" noChangeAspect="1"/>
+            <a:picLocks noGrp="1" noChangeAspect="1" noChangeArrowheads="1"/>
           </p:cNvPicPr>
           <p:nvPr>
             <p:ph idx="1"/>
           </p:nvPr>
         </p:nvPicPr>
         <p:blipFill>
-          <a:blip r:embed="rId3"/>
+          <a:blip r:embed="rId3">
+            <a:extLst>
+              <a:ext uri="{28A0092B-C50C-407E-A947-70E740481C1C}">
+                <a14:useLocalDpi xmlns:a14="http://schemas.microsoft.com/office/drawing/2010/main" val="0"/>
+              </a:ext>
+            </a:extLst>
+          </a:blip>
+          <a:srcRect/>
           <a:stretch>
             <a:fillRect/>
           </a:stretch>
         </p:blipFill>
-        <p:spPr>
+        <p:spPr bwMode="auto">
           <a:xfrm>
-            <a:off x="477422" y="1506057"/>
-            <a:ext cx="11530679" cy="4411858"/>
+            <a:off x="838200" y="1453734"/>
+            <a:ext cx="10515600" cy="4369632"/>
           </a:xfrm>
+          <a:prstGeom prst="rect">
+            <a:avLst/>
+          </a:prstGeom>
+          <a:noFill/>
+          <a:extLst>
+            <a:ext uri="{909E8E84-426E-40DD-AFC4-6F175D3DCCD1}">
+              <a14:hiddenFill xmlns:a14="http://schemas.microsoft.com/office/drawing/2010/main">
+                <a:solidFill>
+                  <a:srgbClr val="FFFFFF"/>
+                </a:solidFill>
+              </a14:hiddenFill>
+            </a:ext>
+          </a:extLst>
         </p:spPr>
       </p:pic>
     </p:spTree>
@@ -8009,11 +8049,11 @@
   <p:clrMapOvr>
     <a:masterClrMapping/>
   </p:clrMapOvr>
-  <mc:AlternateContent xmlns:mc="http://schemas.openxmlformats.org/markup-compatibility/2006">
-    <mc:Choice xmlns:p14="http://schemas.microsoft.com/office/powerpoint/2010/main" Requires="p14">
+  <mc:AlternateContent xmlns:mc="http://schemas.openxmlformats.org/markup-compatibility/2006" xmlns:p14="http://schemas.microsoft.com/office/powerpoint/2010/main">
+    <mc:Choice Requires="p14">
       <p:transition p14:dur="0"/>
     </mc:Choice>
-    <mc:Fallback>
+    <mc:Fallback xmlns="">
       <p:transition/>
     </mc:Fallback>
   </mc:AlternateContent>
@@ -8214,38 +8254,58 @@
               <a:rPr lang="en-US" dirty="0">
                 <a:latin typeface="Helvetica Neue" panose="02000403000000020004" pitchFamily="2"/>
               </a:rPr>
-              <a:t>3.Update order</a:t>
+              <a:t>3.Insert Product</a:t>
             </a:r>
           </a:p>
         </p:txBody>
       </p:sp>
       <p:pic>
         <p:nvPicPr>
-          <p:cNvPr id="11" name="Content Placeholder 10">
-            <a:extLst>
-              <a:ext uri="{FF2B5EF4-FFF2-40B4-BE49-F238E27FC236}">
-                <a16:creationId xmlns:a16="http://schemas.microsoft.com/office/drawing/2014/main" id="{FDCB34D9-9B07-45F2-B45F-8EEF9D2629FC}"/>
+          <p:cNvPr id="3074" name="Picture 2">
+            <a:extLst>
+              <a:ext uri="{FF2B5EF4-FFF2-40B4-BE49-F238E27FC236}">
+                <a16:creationId xmlns:a16="http://schemas.microsoft.com/office/drawing/2014/main" id="{D840B903-72FC-4E1C-9FED-B40C630877BB}"/>
               </a:ext>
             </a:extLst>
           </p:cNvPr>
           <p:cNvPicPr>
-            <a:picLocks noGrp="1" noChangeAspect="1"/>
+            <a:picLocks noGrp="1" noChangeAspect="1" noChangeArrowheads="1"/>
           </p:cNvPicPr>
           <p:nvPr>
             <p:ph idx="1"/>
           </p:nvPr>
         </p:nvPicPr>
         <p:blipFill>
-          <a:blip r:embed="rId3"/>
+          <a:blip r:embed="rId3">
+            <a:extLst>
+              <a:ext uri="{28A0092B-C50C-407E-A947-70E740481C1C}">
+                <a14:useLocalDpi xmlns:a14="http://schemas.microsoft.com/office/drawing/2010/main" val="0"/>
+              </a:ext>
+            </a:extLst>
+          </a:blip>
+          <a:srcRect/>
           <a:stretch>
             <a:fillRect/>
           </a:stretch>
         </p:blipFill>
-        <p:spPr>
+        <p:spPr bwMode="auto">
           <a:xfrm>
-            <a:off x="838200" y="1211813"/>
-            <a:ext cx="10515600" cy="4940772"/>
+            <a:off x="838200" y="1525228"/>
+            <a:ext cx="10515600" cy="4226644"/>
           </a:xfrm>
+          <a:prstGeom prst="rect">
+            <a:avLst/>
+          </a:prstGeom>
+          <a:noFill/>
+          <a:extLst>
+            <a:ext uri="{909E8E84-426E-40DD-AFC4-6F175D3DCCD1}">
+              <a14:hiddenFill xmlns:a14="http://schemas.microsoft.com/office/drawing/2010/main">
+                <a:solidFill>
+                  <a:srgbClr val="FFFFFF"/>
+                </a:solidFill>
+              </a14:hiddenFill>
+            </a:ext>
+          </a:extLst>
         </p:spPr>
       </p:pic>
     </p:spTree>
@@ -8258,11 +8318,11 @@
   <p:clrMapOvr>
     <a:masterClrMapping/>
   </p:clrMapOvr>
-  <mc:AlternateContent xmlns:mc="http://schemas.openxmlformats.org/markup-compatibility/2006">
-    <mc:Choice xmlns:p14="http://schemas.microsoft.com/office/powerpoint/2010/main" Requires="p14">
+  <mc:AlternateContent xmlns:mc="http://schemas.openxmlformats.org/markup-compatibility/2006" xmlns:p14="http://schemas.microsoft.com/office/powerpoint/2010/main">
+    <mc:Choice Requires="p14">
       <p:transition p14:dur="0"/>
     </mc:Choice>
-    <mc:Fallback>
+    <mc:Fallback xmlns="">
       <p:transition/>
     </mc:Fallback>
   </mc:AlternateContent>
@@ -8463,38 +8523,58 @@
               <a:rPr lang="en-US" dirty="0">
                 <a:latin typeface="Helvetica Neue" panose="02000403000000020004" pitchFamily="2"/>
               </a:rPr>
-              <a:t>4.Insert product</a:t>
+              <a:t>4.Update product</a:t>
             </a:r>
           </a:p>
         </p:txBody>
       </p:sp>
       <p:pic>
         <p:nvPicPr>
-          <p:cNvPr id="10" name="Content Placeholder 9">
-            <a:extLst>
-              <a:ext uri="{FF2B5EF4-FFF2-40B4-BE49-F238E27FC236}">
-                <a16:creationId xmlns:a16="http://schemas.microsoft.com/office/drawing/2014/main" id="{36CD86ED-A3C2-4646-A3CB-9E5C3570C61F}"/>
+          <p:cNvPr id="4098" name="Picture 2">
+            <a:extLst>
+              <a:ext uri="{FF2B5EF4-FFF2-40B4-BE49-F238E27FC236}">
+                <a16:creationId xmlns:a16="http://schemas.microsoft.com/office/drawing/2014/main" id="{0170F33F-D824-41ED-9E63-62C08EBBD444}"/>
               </a:ext>
             </a:extLst>
           </p:cNvPr>
           <p:cNvPicPr>
-            <a:picLocks noGrp="1" noChangeAspect="1"/>
+            <a:picLocks noGrp="1" noChangeAspect="1" noChangeArrowheads="1"/>
           </p:cNvPicPr>
           <p:nvPr>
             <p:ph idx="1"/>
           </p:nvPr>
         </p:nvPicPr>
         <p:blipFill>
-          <a:blip r:embed="rId3"/>
+          <a:blip r:embed="rId3">
+            <a:extLst>
+              <a:ext uri="{28A0092B-C50C-407E-A947-70E740481C1C}">
+                <a14:useLocalDpi xmlns:a14="http://schemas.microsoft.com/office/drawing/2010/main" val="0"/>
+              </a:ext>
+            </a:extLst>
+          </a:blip>
+          <a:srcRect/>
           <a:stretch>
             <a:fillRect/>
           </a:stretch>
         </p:blipFill>
-        <p:spPr>
+        <p:spPr bwMode="auto">
           <a:xfrm>
-            <a:off x="947995" y="1211813"/>
-            <a:ext cx="10296010" cy="4990550"/>
+            <a:off x="838200" y="1438180"/>
+            <a:ext cx="10515600" cy="4400740"/>
           </a:xfrm>
+          <a:prstGeom prst="rect">
+            <a:avLst/>
+          </a:prstGeom>
+          <a:noFill/>
+          <a:extLst>
+            <a:ext uri="{909E8E84-426E-40DD-AFC4-6F175D3DCCD1}">
+              <a14:hiddenFill xmlns:a14="http://schemas.microsoft.com/office/drawing/2010/main">
+                <a:solidFill>
+                  <a:srgbClr val="FFFFFF"/>
+                </a:solidFill>
+              </a14:hiddenFill>
+            </a:ext>
+          </a:extLst>
         </p:spPr>
       </p:pic>
     </p:spTree>
@@ -8507,11 +8587,11 @@
   <p:clrMapOvr>
     <a:masterClrMapping/>
   </p:clrMapOvr>
-  <mc:AlternateContent xmlns:mc="http://schemas.openxmlformats.org/markup-compatibility/2006">
-    <mc:Choice xmlns:p14="http://schemas.microsoft.com/office/powerpoint/2010/main" Requires="p14">
+  <mc:AlternateContent xmlns:mc="http://schemas.openxmlformats.org/markup-compatibility/2006" xmlns:p14="http://schemas.microsoft.com/office/powerpoint/2010/main">
+    <mc:Choice Requires="p14">
       <p:transition p14:dur="0"/>
     </mc:Choice>
-    <mc:Fallback>
+    <mc:Fallback xmlns="">
       <p:transition/>
     </mc:Fallback>
   </mc:AlternateContent>
@@ -8695,7 +8775,7 @@
         <p:spPr>
           <a:xfrm>
             <a:off x="183898" y="842481"/>
-            <a:ext cx="2230529" cy="369332"/>
+            <a:ext cx="2559302" cy="369332"/>
           </a:xfrm>
           <a:prstGeom prst="rect">
             <a:avLst/>
@@ -8712,38 +8792,52 @@
               <a:rPr lang="en-US" dirty="0">
                 <a:latin typeface="Helvetica Neue" panose="02000403000000020004" pitchFamily="2"/>
               </a:rPr>
-              <a:t>5.Update product</a:t>
+              <a:t>5. Management Orders</a:t>
             </a:r>
           </a:p>
         </p:txBody>
       </p:sp>
       <p:pic>
         <p:nvPicPr>
-          <p:cNvPr id="11" name="Content Placeholder 10">
-            <a:extLst>
-              <a:ext uri="{FF2B5EF4-FFF2-40B4-BE49-F238E27FC236}">
-                <a16:creationId xmlns:a16="http://schemas.microsoft.com/office/drawing/2014/main" id="{7CE763EA-C315-458E-A6FB-3AB0C57BC448}"/>
+          <p:cNvPr id="10" name="Content Placeholder 9">
+            <a:extLst>
+              <a:ext uri="{FF2B5EF4-FFF2-40B4-BE49-F238E27FC236}">
+                <a16:creationId xmlns:a16="http://schemas.microsoft.com/office/drawing/2014/main" id="{7A30AB4F-8590-4DCB-A3E0-4509EDE19DEE}"/>
               </a:ext>
             </a:extLst>
           </p:cNvPr>
           <p:cNvPicPr>
-            <a:picLocks noGrp="1" noChangeAspect="1"/>
+            <a:picLocks noGrp="1"/>
           </p:cNvPicPr>
           <p:nvPr>
             <p:ph idx="1"/>
           </p:nvPr>
         </p:nvPicPr>
         <p:blipFill>
-          <a:blip r:embed="rId3"/>
+          <a:blip r:embed="rId3">
+            <a:extLst>
+              <a:ext uri="{28A0092B-C50C-407E-A947-70E740481C1C}">
+                <a14:useLocalDpi xmlns:a14="http://schemas.microsoft.com/office/drawing/2010/main" val="0"/>
+              </a:ext>
+            </a:extLst>
+          </a:blip>
+          <a:srcRect/>
           <a:stretch>
             <a:fillRect/>
           </a:stretch>
         </p:blipFill>
-        <p:spPr>
+        <p:spPr bwMode="auto">
           <a:xfrm>
-            <a:off x="838200" y="1394723"/>
-            <a:ext cx="10515600" cy="4487655"/>
+            <a:off x="838200" y="1753019"/>
+            <a:ext cx="10515600" cy="3771063"/>
           </a:xfrm>
+          <a:prstGeom prst="rect">
+            <a:avLst/>
+          </a:prstGeom>
+          <a:noFill/>
+          <a:ln>
+            <a:noFill/>
+          </a:ln>
         </p:spPr>
       </p:pic>
     </p:spTree>
@@ -8756,11 +8850,11 @@
   <p:clrMapOvr>
     <a:masterClrMapping/>
   </p:clrMapOvr>
-  <mc:AlternateContent xmlns:mc="http://schemas.openxmlformats.org/markup-compatibility/2006">
-    <mc:Choice xmlns:p14="http://schemas.microsoft.com/office/powerpoint/2010/main" Requires="p14">
+  <mc:AlternateContent xmlns:mc="http://schemas.openxmlformats.org/markup-compatibility/2006" xmlns:p14="http://schemas.microsoft.com/office/powerpoint/2010/main">
+    <mc:Choice Requires="p14">
       <p:transition p14:dur="0"/>
     </mc:Choice>
-    <mc:Fallback>
+    <mc:Fallback xmlns="">
       <p:transition/>
     </mc:Fallback>
   </mc:AlternateContent>
@@ -8961,38 +9055,61 @@
               <a:rPr lang="en-US" dirty="0">
                 <a:latin typeface="Helvetica Neue" panose="02000403000000020004" pitchFamily="2"/>
               </a:rPr>
-              <a:t>6. Management Account</a:t>
-            </a:r>
+              <a:t>6. </a:t>
+            </a:r>
+            <a:r>
+              <a:rPr lang="en-US">
+                <a:latin typeface="Helvetica Neue" panose="02000403000000020004" pitchFamily="2"/>
+              </a:rPr>
+              <a:t>Management Accounts</a:t>
+            </a:r>
+            <a:endParaRPr lang="en-US" dirty="0">
+              <a:latin typeface="Helvetica Neue" panose="02000403000000020004" pitchFamily="2"/>
+            </a:endParaRPr>
           </a:p>
         </p:txBody>
       </p:sp>
       <p:pic>
         <p:nvPicPr>
-          <p:cNvPr id="10" name="Content Placeholder 9">
-            <a:extLst>
-              <a:ext uri="{FF2B5EF4-FFF2-40B4-BE49-F238E27FC236}">
-                <a16:creationId xmlns:a16="http://schemas.microsoft.com/office/drawing/2014/main" id="{FC540E83-7BF9-446F-9998-DD7356162806}"/>
+          <p:cNvPr id="11" name="Content Placeholder 10">
+            <a:extLst>
+              <a:ext uri="{FF2B5EF4-FFF2-40B4-BE49-F238E27FC236}">
+                <a16:creationId xmlns:a16="http://schemas.microsoft.com/office/drawing/2014/main" id="{551912FD-B5BE-465B-876E-78045C4784BF}"/>
               </a:ext>
             </a:extLst>
           </p:cNvPr>
           <p:cNvPicPr>
-            <a:picLocks noGrp="1" noChangeAspect="1"/>
+            <a:picLocks noGrp="1"/>
           </p:cNvPicPr>
           <p:nvPr>
             <p:ph idx="1"/>
           </p:nvPr>
         </p:nvPicPr>
         <p:blipFill>
-          <a:blip r:embed="rId3"/>
+          <a:blip r:embed="rId3">
+            <a:extLst>
+              <a:ext uri="{28A0092B-C50C-407E-A947-70E740481C1C}">
+                <a14:useLocalDpi xmlns:a14="http://schemas.microsoft.com/office/drawing/2010/main" val="0"/>
+              </a:ext>
+            </a:extLst>
+          </a:blip>
+          <a:srcRect/>
           <a:stretch>
             <a:fillRect/>
           </a:stretch>
         </p:blipFill>
-        <p:spPr>
+        <p:spPr bwMode="auto">
           <a:xfrm>
             <a:off x="838200" y="1201789"/>
             <a:ext cx="10515600" cy="4873523"/>
           </a:xfrm>
+          <a:prstGeom prst="rect">
+            <a:avLst/>
+          </a:prstGeom>
+          <a:noFill/>
+          <a:ln>
+            <a:noFill/>
+          </a:ln>
         </p:spPr>
       </p:pic>
     </p:spTree>
@@ -9005,11 +9122,11 @@
   <p:clrMapOvr>
     <a:masterClrMapping/>
   </p:clrMapOvr>
-  <mc:AlternateContent xmlns:mc="http://schemas.openxmlformats.org/markup-compatibility/2006">
-    <mc:Choice xmlns:p14="http://schemas.microsoft.com/office/powerpoint/2010/main" Requires="p14">
+  <mc:AlternateContent xmlns:mc="http://schemas.openxmlformats.org/markup-compatibility/2006" xmlns:p14="http://schemas.microsoft.com/office/powerpoint/2010/main">
+    <mc:Choice Requires="p14">
       <p:transition p14:dur="0"/>
     </mc:Choice>
-    <mc:Fallback>
+    <mc:Fallback xmlns="">
       <p:transition/>
     </mc:Fallback>
   </mc:AlternateContent>
@@ -9217,11 +9334,11 @@
   <p:clrMapOvr>
     <a:masterClrMapping/>
   </p:clrMapOvr>
-  <mc:AlternateContent xmlns:mc="http://schemas.openxmlformats.org/markup-compatibility/2006">
-    <mc:Choice xmlns:p14="http://schemas.microsoft.com/office/powerpoint/2010/main" Requires="p14">
+  <mc:AlternateContent xmlns:mc="http://schemas.openxmlformats.org/markup-compatibility/2006" xmlns:p14="http://schemas.microsoft.com/office/powerpoint/2010/main">
+    <mc:Choice Requires="p14">
       <p:transition p14:dur="0"/>
     </mc:Choice>
-    <mc:Fallback>
+    <mc:Fallback xmlns="">
       <p:transition/>
     </mc:Fallback>
   </mc:AlternateContent>
@@ -9671,11 +9788,11 @@
   <p:clrMapOvr>
     <a:masterClrMapping/>
   </p:clrMapOvr>
-  <mc:AlternateContent xmlns:mc="http://schemas.openxmlformats.org/markup-compatibility/2006">
-    <mc:Choice xmlns:p14="http://schemas.microsoft.com/office/powerpoint/2010/main" Requires="p14">
+  <mc:AlternateContent xmlns:mc="http://schemas.openxmlformats.org/markup-compatibility/2006" xmlns:p14="http://schemas.microsoft.com/office/powerpoint/2010/main">
+    <mc:Choice Requires="p14">
       <p:transition p14:dur="0"/>
     </mc:Choice>
-    <mc:Fallback>
+    <mc:Fallback xmlns="">
       <p:transition/>
     </mc:Fallback>
   </mc:AlternateContent>
@@ -9883,11 +10000,11 @@
   <p:clrMapOvr>
     <a:masterClrMapping/>
   </p:clrMapOvr>
-  <mc:AlternateContent xmlns:mc="http://schemas.openxmlformats.org/markup-compatibility/2006">
-    <mc:Choice xmlns:p14="http://schemas.microsoft.com/office/powerpoint/2010/main" Requires="p14">
+  <mc:AlternateContent xmlns:mc="http://schemas.openxmlformats.org/markup-compatibility/2006" xmlns:p14="http://schemas.microsoft.com/office/powerpoint/2010/main">
+    <mc:Choice Requires="p14">
       <p:transition p14:dur="0"/>
     </mc:Choice>
-    <mc:Fallback>
+    <mc:Fallback xmlns="">
       <p:transition/>
     </mc:Fallback>
   </mc:AlternateContent>
@@ -10087,11 +10204,11 @@
   <p:clrMapOvr>
     <a:masterClrMapping/>
   </p:clrMapOvr>
-  <mc:AlternateContent xmlns:mc="http://schemas.openxmlformats.org/markup-compatibility/2006">
-    <mc:Choice xmlns:p14="http://schemas.microsoft.com/office/powerpoint/2010/main" Requires="p14">
+  <mc:AlternateContent xmlns:mc="http://schemas.openxmlformats.org/markup-compatibility/2006" xmlns:p14="http://schemas.microsoft.com/office/powerpoint/2010/main">
+    <mc:Choice Requires="p14">
       <p:transition p14:dur="0"/>
     </mc:Choice>
-    <mc:Fallback>
+    <mc:Fallback xmlns="">
       <p:transition/>
     </mc:Fallback>
   </mc:AlternateContent>
@@ -11458,11 +11575,11 @@
   <p:clrMapOvr>
     <a:masterClrMapping/>
   </p:clrMapOvr>
-  <mc:AlternateContent xmlns:mc="http://schemas.openxmlformats.org/markup-compatibility/2006">
-    <mc:Choice xmlns:p14="http://schemas.microsoft.com/office/powerpoint/2010/main" Requires="p14">
+  <mc:AlternateContent xmlns:mc="http://schemas.openxmlformats.org/markup-compatibility/2006" xmlns:p14="http://schemas.microsoft.com/office/powerpoint/2010/main">
+    <mc:Choice Requires="p14">
       <p:transition p14:dur="0"/>
     </mc:Choice>
-    <mc:Fallback>
+    <mc:Fallback xmlns="">
       <p:transition/>
     </mc:Fallback>
   </mc:AlternateContent>
@@ -12889,11 +13006,11 @@
   <p:clrMapOvr>
     <a:masterClrMapping/>
   </p:clrMapOvr>
-  <mc:AlternateContent xmlns:mc="http://schemas.openxmlformats.org/markup-compatibility/2006">
-    <mc:Choice xmlns:p14="http://schemas.microsoft.com/office/powerpoint/2010/main" Requires="p14">
+  <mc:AlternateContent xmlns:mc="http://schemas.openxmlformats.org/markup-compatibility/2006" xmlns:p14="http://schemas.microsoft.com/office/powerpoint/2010/main">
+    <mc:Choice Requires="p14">
       <p:transition p14:dur="0"/>
     </mc:Choice>
-    <mc:Fallback>
+    <mc:Fallback xmlns="">
       <p:transition/>
     </mc:Fallback>
   </mc:AlternateContent>
@@ -14483,11 +14600,11 @@
   <p:clrMapOvr>
     <a:masterClrMapping/>
   </p:clrMapOvr>
-  <mc:AlternateContent xmlns:mc="http://schemas.openxmlformats.org/markup-compatibility/2006">
-    <mc:Choice xmlns:p14="http://schemas.microsoft.com/office/powerpoint/2010/main" Requires="p14">
+  <mc:AlternateContent xmlns:mc="http://schemas.openxmlformats.org/markup-compatibility/2006" xmlns:p14="http://schemas.microsoft.com/office/powerpoint/2010/main">
+    <mc:Choice Requires="p14">
       <p:transition p14:dur="0"/>
     </mc:Choice>
-    <mc:Fallback>
+    <mc:Fallback xmlns="">
       <p:transition/>
     </mc:Fallback>
   </mc:AlternateContent>
@@ -15981,11 +16098,11 @@
   <p:clrMapOvr>
     <a:masterClrMapping/>
   </p:clrMapOvr>
-  <mc:AlternateContent xmlns:mc="http://schemas.openxmlformats.org/markup-compatibility/2006">
-    <mc:Choice xmlns:p14="http://schemas.microsoft.com/office/powerpoint/2010/main" Requires="p14">
+  <mc:AlternateContent xmlns:mc="http://schemas.openxmlformats.org/markup-compatibility/2006" xmlns:p14="http://schemas.microsoft.com/office/powerpoint/2010/main">
+    <mc:Choice Requires="p14">
       <p:transition p14:dur="0"/>
     </mc:Choice>
-    <mc:Fallback>
+    <mc:Fallback xmlns="">
       <p:transition/>
     </mc:Fallback>
   </mc:AlternateContent>
@@ -17230,11 +17347,11 @@
   <p:clrMapOvr>
     <a:masterClrMapping/>
   </p:clrMapOvr>
-  <mc:AlternateContent xmlns:mc="http://schemas.openxmlformats.org/markup-compatibility/2006">
-    <mc:Choice xmlns:p14="http://schemas.microsoft.com/office/powerpoint/2010/main" Requires="p14">
+  <mc:AlternateContent xmlns:mc="http://schemas.openxmlformats.org/markup-compatibility/2006" xmlns:p14="http://schemas.microsoft.com/office/powerpoint/2010/main">
+    <mc:Choice Requires="p14">
       <p:transition p14:dur="0"/>
     </mc:Choice>
-    <mc:Fallback>
+    <mc:Fallback xmlns="">
       <p:transition/>
     </mc:Fallback>
   </mc:AlternateContent>
@@ -17298,11 +17415,11 @@
   <p:clrMapOvr>
     <a:masterClrMapping/>
   </p:clrMapOvr>
-  <mc:AlternateContent xmlns:mc="http://schemas.openxmlformats.org/markup-compatibility/2006">
-    <mc:Choice xmlns:p14="http://schemas.microsoft.com/office/powerpoint/2010/main" Requires="p14">
+  <mc:AlternateContent xmlns:mc="http://schemas.openxmlformats.org/markup-compatibility/2006" xmlns:p14="http://schemas.microsoft.com/office/powerpoint/2010/main">
+    <mc:Choice Requires="p14">
       <p:transition p14:dur="0"/>
     </mc:Choice>
-    <mc:Fallback>
+    <mc:Fallback xmlns="">
       <p:transition/>
     </mc:Fallback>
   </mc:AlternateContent>
@@ -17378,11 +17495,11 @@
   <p:clrMapOvr>
     <a:masterClrMapping/>
   </p:clrMapOvr>
-  <mc:AlternateContent xmlns:mc="http://schemas.openxmlformats.org/markup-compatibility/2006">
-    <mc:Choice xmlns:p14="http://schemas.microsoft.com/office/powerpoint/2010/main" Requires="p14">
+  <mc:AlternateContent xmlns:mc="http://schemas.openxmlformats.org/markup-compatibility/2006" xmlns:p14="http://schemas.microsoft.com/office/powerpoint/2010/main">
+    <mc:Choice Requires="p14">
       <p:transition p14:dur="0"/>
     </mc:Choice>
-    <mc:Fallback>
+    <mc:Fallback xmlns="">
       <p:transition/>
     </mc:Fallback>
   </mc:AlternateContent>
@@ -17815,11 +17932,11 @@
   <p:clrMapOvr>
     <a:masterClrMapping/>
   </p:clrMapOvr>
-  <mc:AlternateContent xmlns:mc="http://schemas.openxmlformats.org/markup-compatibility/2006">
-    <mc:Choice xmlns:p14="http://schemas.microsoft.com/office/powerpoint/2010/main" Requires="p14">
+  <mc:AlternateContent xmlns:mc="http://schemas.openxmlformats.org/markup-compatibility/2006" xmlns:p14="http://schemas.microsoft.com/office/powerpoint/2010/main">
+    <mc:Choice Requires="p14">
       <p:transition p14:dur="0"/>
     </mc:Choice>
-    <mc:Fallback>
+    <mc:Fallback xmlns="">
       <p:transition/>
     </mc:Fallback>
   </mc:AlternateContent>
@@ -18173,11 +18290,11 @@
   <p:clrMapOvr>
     <a:masterClrMapping/>
   </p:clrMapOvr>
-  <mc:AlternateContent xmlns:mc="http://schemas.openxmlformats.org/markup-compatibility/2006">
-    <mc:Choice xmlns:p14="http://schemas.microsoft.com/office/powerpoint/2010/main" Requires="p14">
+  <mc:AlternateContent xmlns:mc="http://schemas.openxmlformats.org/markup-compatibility/2006" xmlns:p14="http://schemas.microsoft.com/office/powerpoint/2010/main">
+    <mc:Choice Requires="p14">
       <p:transition p14:dur="0"/>
     </mc:Choice>
-    <mc:Fallback>
+    <mc:Fallback xmlns="">
       <p:transition/>
     </mc:Fallback>
   </mc:AlternateContent>
@@ -18564,8 +18681,8 @@
         </p:nvSpPr>
         <p:spPr>
           <a:xfrm>
-            <a:off x="1181528" y="5418283"/>
-            <a:ext cx="6914508" cy="861774"/>
+            <a:off x="1181528" y="5228933"/>
+            <a:ext cx="6914507" cy="861774"/>
           </a:xfrm>
           <a:prstGeom prst="rect">
             <a:avLst/>
@@ -18610,11 +18727,11 @@
   <p:clrMapOvr>
     <a:masterClrMapping/>
   </p:clrMapOvr>
-  <mc:AlternateContent xmlns:mc="http://schemas.openxmlformats.org/markup-compatibility/2006">
-    <mc:Choice xmlns:p14="http://schemas.microsoft.com/office/powerpoint/2010/main" Requires="p14">
+  <mc:AlternateContent xmlns:mc="http://schemas.openxmlformats.org/markup-compatibility/2006" xmlns:p14="http://schemas.microsoft.com/office/powerpoint/2010/main">
+    <mc:Choice Requires="p14">
       <p:transition p14:dur="0"/>
     </mc:Choice>
-    <mc:Fallback>
+    <mc:Fallback xmlns="">
       <p:transition/>
     </mc:Fallback>
   </mc:AlternateContent>
@@ -18843,11 +18960,11 @@
   <p:clrMapOvr>
     <a:masterClrMapping/>
   </p:clrMapOvr>
-  <mc:AlternateContent xmlns:mc="http://schemas.openxmlformats.org/markup-compatibility/2006">
-    <mc:Choice xmlns:p14="http://schemas.microsoft.com/office/powerpoint/2010/main" Requires="p14">
+  <mc:AlternateContent xmlns:mc="http://schemas.openxmlformats.org/markup-compatibility/2006" xmlns:p14="http://schemas.microsoft.com/office/powerpoint/2010/main">
+    <mc:Choice Requires="p14">
       <p:transition p14:dur="0"/>
     </mc:Choice>
-    <mc:Fallback>
+    <mc:Fallback xmlns="">
       <p:transition/>
     </mc:Fallback>
   </mc:AlternateContent>
@@ -19092,11 +19209,11 @@
   <p:clrMapOvr>
     <a:masterClrMapping/>
   </p:clrMapOvr>
-  <mc:AlternateContent xmlns:mc="http://schemas.openxmlformats.org/markup-compatibility/2006">
-    <mc:Choice xmlns:p14="http://schemas.microsoft.com/office/powerpoint/2010/main" Requires="p14">
+  <mc:AlternateContent xmlns:mc="http://schemas.openxmlformats.org/markup-compatibility/2006" xmlns:p14="http://schemas.microsoft.com/office/powerpoint/2010/main">
+    <mc:Choice Requires="p14">
       <p:transition p14:dur="0"/>
     </mc:Choice>
-    <mc:Fallback>
+    <mc:Fallback xmlns="">
       <p:transition/>
     </mc:Fallback>
   </mc:AlternateContent>
@@ -19341,11 +19458,11 @@
   <p:clrMapOvr>
     <a:masterClrMapping/>
   </p:clrMapOvr>
-  <mc:AlternateContent xmlns:mc="http://schemas.openxmlformats.org/markup-compatibility/2006">
-    <mc:Choice xmlns:p14="http://schemas.microsoft.com/office/powerpoint/2010/main" Requires="p14">
+  <mc:AlternateContent xmlns:mc="http://schemas.openxmlformats.org/markup-compatibility/2006" xmlns:p14="http://schemas.microsoft.com/office/powerpoint/2010/main">
+    <mc:Choice Requires="p14">
       <p:transition p14:dur="0"/>
     </mc:Choice>
-    <mc:Fallback>
+    <mc:Fallback xmlns="">
       <p:transition/>
     </mc:Fallback>
   </mc:AlternateContent>
@@ -19546,7 +19663,7 @@
               <a:rPr lang="en-US" dirty="0">
                 <a:latin typeface="Helvetica Neue" panose="02000403000000020004" pitchFamily="2"/>
               </a:rPr>
-              <a:t>3.Update order</a:t>
+              <a:t>3.Insert Product</a:t>
             </a:r>
           </a:p>
         </p:txBody>
@@ -19590,11 +19707,11 @@
   <p:clrMapOvr>
     <a:masterClrMapping/>
   </p:clrMapOvr>
-  <mc:AlternateContent xmlns:mc="http://schemas.openxmlformats.org/markup-compatibility/2006">
-    <mc:Choice xmlns:p14="http://schemas.microsoft.com/office/powerpoint/2010/main" Requires="p14">
+  <mc:AlternateContent xmlns:mc="http://schemas.openxmlformats.org/markup-compatibility/2006" xmlns:p14="http://schemas.microsoft.com/office/powerpoint/2010/main">
+    <mc:Choice Requires="p14">
       <p:transition p14:dur="0"/>
     </mc:Choice>
-    <mc:Fallback>
+    <mc:Fallback xmlns="">
       <p:transition/>
     </mc:Fallback>
   </mc:AlternateContent>
